--- a/스토리보드/3학년/2차/박만구/suh_p_0301_02_0001_v3.pptx
+++ b/스토리보드/3학년/2차/박만구/suh_p_0301_02_0001_v3.pptx
@@ -154,7 +154,7 @@
   </p:defaultTextStyle>
   <p:extLst>
     <p:ext uri="{EFAFB233-063F-42B5-8137-9DF3F51BA10A}">
-      <p15:sldGuideLst xmlns="" xmlns:p15="http://schemas.microsoft.com/office/powerpoint/2012/main">
+      <p15:sldGuideLst xmlns:p15="http://schemas.microsoft.com/office/powerpoint/2012/main" xmlns="">
         <p15:guide id="1" orient="horz" pos="4292">
           <p15:clr>
             <a:srgbClr val="A4A3A4"/>
@@ -168,7 +168,7 @@
       </p15:sldGuideLst>
     </p:ext>
     <p:ext uri="{2D200454-40CA-4A62-9FC3-DE9A4176ACB9}">
-      <p15:notesGuideLst xmlns="" xmlns:p15="http://schemas.microsoft.com/office/powerpoint/2012/main">
+      <p15:notesGuideLst xmlns:p15="http://schemas.microsoft.com/office/powerpoint/2012/main" xmlns="">
         <p15:guide id="1" orient="horz" pos="3127">
           <p15:clr>
             <a:srgbClr val="A4A3A4"/>
@@ -1832,14 +1832,14 @@
                 <a:gridCol w="6938661">
                   <a:extLst>
                     <a:ext uri="{9D8B030D-6E8A-4147-A177-3AD203B41FA5}">
-                      <a16:colId xmlns="" xmlns:a16="http://schemas.microsoft.com/office/drawing/2014/main" val="20000"/>
+                      <a16:colId xmlns:a16="http://schemas.microsoft.com/office/drawing/2014/main" xmlns="" val="20000"/>
                     </a:ext>
                   </a:extLst>
                 </a:gridCol>
                 <a:gridCol w="2124376">
                   <a:extLst>
                     <a:ext uri="{9D8B030D-6E8A-4147-A177-3AD203B41FA5}">
-                      <a16:colId xmlns="" xmlns:a16="http://schemas.microsoft.com/office/drawing/2014/main" val="20001"/>
+                      <a16:colId xmlns:a16="http://schemas.microsoft.com/office/drawing/2014/main" xmlns="" val="20001"/>
                     </a:ext>
                   </a:extLst>
                 </a:gridCol>
@@ -2022,7 +2022,7 @@
                 </a:tc>
                 <a:extLst>
                   <a:ext uri="{0D108BD9-81ED-4DB2-BD59-A6C34878D82A}">
-                    <a16:rowId xmlns="" xmlns:a16="http://schemas.microsoft.com/office/drawing/2014/main" val="10000"/>
+                    <a16:rowId xmlns:a16="http://schemas.microsoft.com/office/drawing/2014/main" xmlns="" val="10000"/>
                   </a:ext>
                 </a:extLst>
               </a:tr>
@@ -2050,56 +2050,56 @@
                 <a:gridCol w="780574">
                   <a:extLst>
                     <a:ext uri="{9D8B030D-6E8A-4147-A177-3AD203B41FA5}">
-                      <a16:colId xmlns="" xmlns:a16="http://schemas.microsoft.com/office/drawing/2014/main" val="20000"/>
+                      <a16:colId xmlns:a16="http://schemas.microsoft.com/office/drawing/2014/main" xmlns="" val="20000"/>
                     </a:ext>
                   </a:extLst>
                 </a:gridCol>
                 <a:gridCol w="889949">
                   <a:extLst>
                     <a:ext uri="{9D8B030D-6E8A-4147-A177-3AD203B41FA5}">
-                      <a16:colId xmlns="" xmlns:a16="http://schemas.microsoft.com/office/drawing/2014/main" val="20001"/>
+                      <a16:colId xmlns:a16="http://schemas.microsoft.com/office/drawing/2014/main" xmlns="" val="20001"/>
                     </a:ext>
                   </a:extLst>
                 </a:gridCol>
                 <a:gridCol w="540056">
                   <a:extLst>
                     <a:ext uri="{9D8B030D-6E8A-4147-A177-3AD203B41FA5}">
-                      <a16:colId xmlns="" xmlns:a16="http://schemas.microsoft.com/office/drawing/2014/main" val="20002"/>
+                      <a16:colId xmlns:a16="http://schemas.microsoft.com/office/drawing/2014/main" xmlns="" val="20002"/>
                     </a:ext>
                   </a:extLst>
                 </a:gridCol>
                 <a:gridCol w="2772323">
                   <a:extLst>
                     <a:ext uri="{9D8B030D-6E8A-4147-A177-3AD203B41FA5}">
-                      <a16:colId xmlns="" xmlns:a16="http://schemas.microsoft.com/office/drawing/2014/main" val="20003"/>
+                      <a16:colId xmlns:a16="http://schemas.microsoft.com/office/drawing/2014/main" xmlns="" val="20003"/>
                     </a:ext>
                   </a:extLst>
                 </a:gridCol>
                 <a:gridCol w="648072">
                   <a:extLst>
                     <a:ext uri="{9D8B030D-6E8A-4147-A177-3AD203B41FA5}">
-                      <a16:colId xmlns="" xmlns:a16="http://schemas.microsoft.com/office/drawing/2014/main" val="20004"/>
+                      <a16:colId xmlns:a16="http://schemas.microsoft.com/office/drawing/2014/main" xmlns="" val="20004"/>
                     </a:ext>
                   </a:extLst>
                 </a:gridCol>
                 <a:gridCol w="1330199">
                   <a:extLst>
                     <a:ext uri="{9D8B030D-6E8A-4147-A177-3AD203B41FA5}">
-                      <a16:colId xmlns="" xmlns:a16="http://schemas.microsoft.com/office/drawing/2014/main" val="20005"/>
+                      <a16:colId xmlns:a16="http://schemas.microsoft.com/office/drawing/2014/main" xmlns="" val="20005"/>
                     </a:ext>
                   </a:extLst>
                 </a:gridCol>
                 <a:gridCol w="730255">
                   <a:extLst>
                     <a:ext uri="{9D8B030D-6E8A-4147-A177-3AD203B41FA5}">
-                      <a16:colId xmlns="" xmlns:a16="http://schemas.microsoft.com/office/drawing/2014/main" val="20006"/>
+                      <a16:colId xmlns:a16="http://schemas.microsoft.com/office/drawing/2014/main" xmlns="" val="20006"/>
                     </a:ext>
                   </a:extLst>
                 </a:gridCol>
                 <a:gridCol w="1350972">
                   <a:extLst>
                     <a:ext uri="{9D8B030D-6E8A-4147-A177-3AD203B41FA5}">
-                      <a16:colId xmlns="" xmlns:a16="http://schemas.microsoft.com/office/drawing/2014/main" val="20007"/>
+                      <a16:colId xmlns:a16="http://schemas.microsoft.com/office/drawing/2014/main" xmlns="" val="20007"/>
                     </a:ext>
                   </a:extLst>
                 </a:gridCol>
@@ -2704,7 +2704,7 @@
                 </a:tc>
                 <a:extLst>
                   <a:ext uri="{0D108BD9-81ED-4DB2-BD59-A6C34878D82A}">
-                    <a16:rowId xmlns="" xmlns:a16="http://schemas.microsoft.com/office/drawing/2014/main" val="10000"/>
+                    <a16:rowId xmlns:a16="http://schemas.microsoft.com/office/drawing/2014/main" xmlns="" val="10000"/>
                   </a:ext>
                 </a:extLst>
               </a:tr>
@@ -3169,7 +3169,7 @@
                 </a:tc>
                 <a:extLst>
                   <a:ext uri="{0D108BD9-81ED-4DB2-BD59-A6C34878D82A}">
-                    <a16:rowId xmlns="" xmlns:a16="http://schemas.microsoft.com/office/drawing/2014/main" val="10001"/>
+                    <a16:rowId xmlns:a16="http://schemas.microsoft.com/office/drawing/2014/main" xmlns="" val="10001"/>
                   </a:ext>
                 </a:extLst>
               </a:tr>
@@ -3243,7 +3243,7 @@
                 <a:gridCol w="6923853">
                   <a:extLst>
                     <a:ext uri="{9D8B030D-6E8A-4147-A177-3AD203B41FA5}">
-                      <a16:colId xmlns="" xmlns:a16="http://schemas.microsoft.com/office/drawing/2014/main" val="20000"/>
+                      <a16:colId xmlns:a16="http://schemas.microsoft.com/office/drawing/2014/main" xmlns="" val="20000"/>
                     </a:ext>
                   </a:extLst>
                 </a:gridCol>
@@ -3303,7 +3303,7 @@
                 </a:tc>
                 <a:extLst>
                   <a:ext uri="{0D108BD9-81ED-4DB2-BD59-A6C34878D82A}">
-                    <a16:rowId xmlns="" xmlns:a16="http://schemas.microsoft.com/office/drawing/2014/main" val="10000"/>
+                    <a16:rowId xmlns:a16="http://schemas.microsoft.com/office/drawing/2014/main" xmlns="" val="10000"/>
                   </a:ext>
                 </a:extLst>
               </a:tr>
@@ -3331,7 +3331,7 @@
                 <a:gridCol w="576263">
                   <a:extLst>
                     <a:ext uri="{9D8B030D-6E8A-4147-A177-3AD203B41FA5}">
-                      <a16:colId xmlns="" xmlns:a16="http://schemas.microsoft.com/office/drawing/2014/main" val="20000"/>
+                      <a16:colId xmlns:a16="http://schemas.microsoft.com/office/drawing/2014/main" xmlns="" val="20000"/>
                     </a:ext>
                   </a:extLst>
                 </a:gridCol>
@@ -3438,7 +3438,7 @@
                 </a:tc>
                 <a:extLst>
                   <a:ext uri="{0D108BD9-81ED-4DB2-BD59-A6C34878D82A}">
-                    <a16:rowId xmlns="" xmlns:a16="http://schemas.microsoft.com/office/drawing/2014/main" val="10000"/>
+                    <a16:rowId xmlns:a16="http://schemas.microsoft.com/office/drawing/2014/main" xmlns="" val="10000"/>
                   </a:ext>
                 </a:extLst>
               </a:tr>
@@ -4046,42 +4046,42 @@
                 <a:gridCol w="423863">
                   <a:extLst>
                     <a:ext uri="{9D8B030D-6E8A-4147-A177-3AD203B41FA5}">
-                      <a16:colId xmlns="" xmlns:a16="http://schemas.microsoft.com/office/drawing/2014/main" val="20000"/>
+                      <a16:colId xmlns:a16="http://schemas.microsoft.com/office/drawing/2014/main" xmlns="" val="20000"/>
                     </a:ext>
                   </a:extLst>
                 </a:gridCol>
                 <a:gridCol w="560387">
                   <a:extLst>
                     <a:ext uri="{9D8B030D-6E8A-4147-A177-3AD203B41FA5}">
-                      <a16:colId xmlns="" xmlns:a16="http://schemas.microsoft.com/office/drawing/2014/main" val="20001"/>
+                      <a16:colId xmlns:a16="http://schemas.microsoft.com/office/drawing/2014/main" xmlns="" val="20001"/>
                     </a:ext>
                   </a:extLst>
                 </a:gridCol>
                 <a:gridCol w="984250">
                   <a:extLst>
                     <a:ext uri="{9D8B030D-6E8A-4147-A177-3AD203B41FA5}">
-                      <a16:colId xmlns="" xmlns:a16="http://schemas.microsoft.com/office/drawing/2014/main" val="20002"/>
+                      <a16:colId xmlns:a16="http://schemas.microsoft.com/office/drawing/2014/main" xmlns="" val="20002"/>
                     </a:ext>
                   </a:extLst>
                 </a:gridCol>
                 <a:gridCol w="4926013">
                   <a:extLst>
                     <a:ext uri="{9D8B030D-6E8A-4147-A177-3AD203B41FA5}">
-                      <a16:colId xmlns="" xmlns:a16="http://schemas.microsoft.com/office/drawing/2014/main" val="20003"/>
+                      <a16:colId xmlns:a16="http://schemas.microsoft.com/office/drawing/2014/main" xmlns="" val="20003"/>
                     </a:ext>
                   </a:extLst>
                 </a:gridCol>
                 <a:gridCol w="1243012">
                   <a:extLst>
                     <a:ext uri="{9D8B030D-6E8A-4147-A177-3AD203B41FA5}">
-                      <a16:colId xmlns="" xmlns:a16="http://schemas.microsoft.com/office/drawing/2014/main" val="20004"/>
+                      <a16:colId xmlns:a16="http://schemas.microsoft.com/office/drawing/2014/main" xmlns="" val="20004"/>
                     </a:ext>
                   </a:extLst>
                 </a:gridCol>
                 <a:gridCol w="792163">
                   <a:extLst>
                     <a:ext uri="{9D8B030D-6E8A-4147-A177-3AD203B41FA5}">
-                      <a16:colId xmlns="" xmlns:a16="http://schemas.microsoft.com/office/drawing/2014/main" val="20005"/>
+                      <a16:colId xmlns:a16="http://schemas.microsoft.com/office/drawing/2014/main" xmlns="" val="20005"/>
                     </a:ext>
                   </a:extLst>
                 </a:gridCol>
@@ -4669,7 +4669,7 @@
                 </a:tc>
                 <a:extLst>
                   <a:ext uri="{0D108BD9-81ED-4DB2-BD59-A6C34878D82A}">
-                    <a16:rowId xmlns="" xmlns:a16="http://schemas.microsoft.com/office/drawing/2014/main" val="10000"/>
+                    <a16:rowId xmlns:a16="http://schemas.microsoft.com/office/drawing/2014/main" xmlns="" val="10000"/>
                   </a:ext>
                 </a:extLst>
               </a:tr>
@@ -5193,7 +5193,7 @@
                 </a:tc>
                 <a:extLst>
                   <a:ext uri="{0D108BD9-81ED-4DB2-BD59-A6C34878D82A}">
-                    <a16:rowId xmlns="" xmlns:a16="http://schemas.microsoft.com/office/drawing/2014/main" val="10001"/>
+                    <a16:rowId xmlns:a16="http://schemas.microsoft.com/office/drawing/2014/main" xmlns="" val="10001"/>
                   </a:ext>
                 </a:extLst>
               </a:tr>
@@ -5732,7 +5732,7 @@
                 </a:tc>
                 <a:extLst>
                   <a:ext uri="{0D108BD9-81ED-4DB2-BD59-A6C34878D82A}">
-                    <a16:rowId xmlns="" xmlns:a16="http://schemas.microsoft.com/office/drawing/2014/main" val="10002"/>
+                    <a16:rowId xmlns:a16="http://schemas.microsoft.com/office/drawing/2014/main" xmlns="" val="10002"/>
                   </a:ext>
                 </a:extLst>
               </a:tr>
@@ -6271,7 +6271,7 @@
                 </a:tc>
                 <a:extLst>
                   <a:ext uri="{0D108BD9-81ED-4DB2-BD59-A6C34878D82A}">
-                    <a16:rowId xmlns="" xmlns:a16="http://schemas.microsoft.com/office/drawing/2014/main" val="10003"/>
+                    <a16:rowId xmlns:a16="http://schemas.microsoft.com/office/drawing/2014/main" xmlns="" val="10003"/>
                   </a:ext>
                 </a:extLst>
               </a:tr>
@@ -6388,33 +6388,8 @@
                           <a:latin typeface="맑은 고딕" pitchFamily="50" charset="-127"/>
                           <a:ea typeface="맑은 고딕" pitchFamily="50" charset="-127"/>
                         </a:rPr>
-                        <a:t>V </a:t>
+                        <a:t>V 3.0</a:t>
                       </a:r>
-                      <a:r>
-                        <a:rPr kumimoji="0" lang="en-US" altLang="ko-KR" sz="1000" b="0" i="0" u="none" strike="noStrike" cap="none" normalizeH="0" baseline="0" dirty="0" smtClean="0">
-                          <a:ln>
-                            <a:noFill/>
-                          </a:ln>
-                          <a:solidFill>
-                            <a:schemeClr val="tx1"/>
-                          </a:solidFill>
-                          <a:effectLst/>
-                          <a:latin typeface="맑은 고딕" pitchFamily="50" charset="-127"/>
-                          <a:ea typeface="맑은 고딕" pitchFamily="50" charset="-127"/>
-                        </a:rPr>
-                        <a:t>3.0</a:t>
-                      </a:r>
-                      <a:endParaRPr kumimoji="0" lang="en-US" altLang="ko-KR" sz="1000" b="0" i="0" u="none" strike="noStrike" cap="none" normalizeH="0" baseline="0" dirty="0" smtClean="0">
-                        <a:ln>
-                          <a:noFill/>
-                        </a:ln>
-                        <a:solidFill>
-                          <a:schemeClr val="tx1"/>
-                        </a:solidFill>
-                        <a:effectLst/>
-                        <a:latin typeface="맑은 고딕" pitchFamily="50" charset="-127"/>
-                        <a:ea typeface="맑은 고딕" pitchFamily="50" charset="-127"/>
-                      </a:endParaRPr>
                     </a:p>
                   </a:txBody>
                   <a:tcPr marL="54000" marR="54000" marT="36000" marB="36000" anchor="ctr" horzOverflow="overflow">
@@ -6809,7 +6784,7 @@
                 </a:tc>
                 <a:extLst>
                   <a:ext uri="{0D108BD9-81ED-4DB2-BD59-A6C34878D82A}">
-                    <a16:rowId xmlns="" xmlns:a16="http://schemas.microsoft.com/office/drawing/2014/main" val="10004"/>
+                    <a16:rowId xmlns:a16="http://schemas.microsoft.com/office/drawing/2014/main" xmlns="" val="10004"/>
                   </a:ext>
                 </a:extLst>
               </a:tr>
@@ -7299,7 +7274,7 @@
                 </a:tc>
                 <a:extLst>
                   <a:ext uri="{0D108BD9-81ED-4DB2-BD59-A6C34878D82A}">
-                    <a16:rowId xmlns="" xmlns:a16="http://schemas.microsoft.com/office/drawing/2014/main" val="10005"/>
+                    <a16:rowId xmlns:a16="http://schemas.microsoft.com/office/drawing/2014/main" xmlns="" val="10005"/>
                   </a:ext>
                 </a:extLst>
               </a:tr>
@@ -7789,7 +7764,7 @@
                 </a:tc>
                 <a:extLst>
                   <a:ext uri="{0D108BD9-81ED-4DB2-BD59-A6C34878D82A}">
-                    <a16:rowId xmlns="" xmlns:a16="http://schemas.microsoft.com/office/drawing/2014/main" val="10006"/>
+                    <a16:rowId xmlns:a16="http://schemas.microsoft.com/office/drawing/2014/main" xmlns="" val="10006"/>
                   </a:ext>
                 </a:extLst>
               </a:tr>
@@ -8279,7 +8254,7 @@
                 </a:tc>
                 <a:extLst>
                   <a:ext uri="{0D108BD9-81ED-4DB2-BD59-A6C34878D82A}">
-                    <a16:rowId xmlns="" xmlns:a16="http://schemas.microsoft.com/office/drawing/2014/main" val="10007"/>
+                    <a16:rowId xmlns:a16="http://schemas.microsoft.com/office/drawing/2014/main" xmlns="" val="10007"/>
                   </a:ext>
                 </a:extLst>
               </a:tr>
@@ -8780,7 +8755,7 @@
                 </a:tc>
                 <a:extLst>
                   <a:ext uri="{0D108BD9-81ED-4DB2-BD59-A6C34878D82A}">
-                    <a16:rowId xmlns="" xmlns:a16="http://schemas.microsoft.com/office/drawing/2014/main" val="10008"/>
+                    <a16:rowId xmlns:a16="http://schemas.microsoft.com/office/drawing/2014/main" xmlns="" val="10008"/>
                   </a:ext>
                 </a:extLst>
               </a:tr>
@@ -9281,7 +9256,7 @@
                 </a:tc>
                 <a:extLst>
                   <a:ext uri="{0D108BD9-81ED-4DB2-BD59-A6C34878D82A}">
-                    <a16:rowId xmlns="" xmlns:a16="http://schemas.microsoft.com/office/drawing/2014/main" val="10009"/>
+                    <a16:rowId xmlns:a16="http://schemas.microsoft.com/office/drawing/2014/main" xmlns="" val="10009"/>
                   </a:ext>
                 </a:extLst>
               </a:tr>
@@ -9782,7 +9757,7 @@
                 </a:tc>
                 <a:extLst>
                   <a:ext uri="{0D108BD9-81ED-4DB2-BD59-A6C34878D82A}">
-                    <a16:rowId xmlns="" xmlns:a16="http://schemas.microsoft.com/office/drawing/2014/main" val="10010"/>
+                    <a16:rowId xmlns:a16="http://schemas.microsoft.com/office/drawing/2014/main" xmlns="" val="10010"/>
                   </a:ext>
                 </a:extLst>
               </a:tr>
@@ -10283,7 +10258,7 @@
                 </a:tc>
                 <a:extLst>
                   <a:ext uri="{0D108BD9-81ED-4DB2-BD59-A6C34878D82A}">
-                    <a16:rowId xmlns="" xmlns:a16="http://schemas.microsoft.com/office/drawing/2014/main" val="10011"/>
+                    <a16:rowId xmlns:a16="http://schemas.microsoft.com/office/drawing/2014/main" xmlns="" val="10011"/>
                   </a:ext>
                 </a:extLst>
               </a:tr>
@@ -10317,14 +10292,14 @@
                 <a:gridCol w="1319212">
                   <a:extLst>
                     <a:ext uri="{9D8B030D-6E8A-4147-A177-3AD203B41FA5}">
-                      <a16:colId xmlns="" xmlns:a16="http://schemas.microsoft.com/office/drawing/2014/main" val="20000"/>
+                      <a16:colId xmlns:a16="http://schemas.microsoft.com/office/drawing/2014/main" xmlns="" val="20000"/>
                     </a:ext>
                   </a:extLst>
                 </a:gridCol>
                 <a:gridCol w="1317625">
                   <a:extLst>
                     <a:ext uri="{9D8B030D-6E8A-4147-A177-3AD203B41FA5}">
-                      <a16:colId xmlns="" xmlns:a16="http://schemas.microsoft.com/office/drawing/2014/main" val="20001"/>
+                      <a16:colId xmlns:a16="http://schemas.microsoft.com/office/drawing/2014/main" xmlns="" val="20001"/>
                     </a:ext>
                   </a:extLst>
                 </a:gridCol>
@@ -10509,7 +10484,7 @@
                 </a:tc>
                 <a:extLst>
                   <a:ext uri="{0D108BD9-81ED-4DB2-BD59-A6C34878D82A}">
-                    <a16:rowId xmlns="" xmlns:a16="http://schemas.microsoft.com/office/drawing/2014/main" val="10000"/>
+                    <a16:rowId xmlns:a16="http://schemas.microsoft.com/office/drawing/2014/main" xmlns="" val="10000"/>
                   </a:ext>
                 </a:extLst>
               </a:tr>
@@ -10694,7 +10669,7 @@
                 </a:tc>
                 <a:extLst>
                   <a:ext uri="{0D108BD9-81ED-4DB2-BD59-A6C34878D82A}">
-                    <a16:rowId xmlns="" xmlns:a16="http://schemas.microsoft.com/office/drawing/2014/main" val="10001"/>
+                    <a16:rowId xmlns:a16="http://schemas.microsoft.com/office/drawing/2014/main" xmlns="" val="10001"/>
                   </a:ext>
                 </a:extLst>
               </a:tr>
@@ -10783,14 +10758,14 @@
                 <a:gridCol w="1764767">
                   <a:extLst>
                     <a:ext uri="{9D8B030D-6E8A-4147-A177-3AD203B41FA5}">
-                      <a16:colId xmlns="" xmlns:a16="http://schemas.microsoft.com/office/drawing/2014/main" val="20000"/>
+                      <a16:colId xmlns:a16="http://schemas.microsoft.com/office/drawing/2014/main" xmlns="" val="20000"/>
                     </a:ext>
                   </a:extLst>
                 </a:gridCol>
                 <a:gridCol w="4499508">
                   <a:extLst>
                     <a:ext uri="{9D8B030D-6E8A-4147-A177-3AD203B41FA5}">
-                      <a16:colId xmlns="" xmlns:a16="http://schemas.microsoft.com/office/drawing/2014/main" val="20001"/>
+                      <a16:colId xmlns:a16="http://schemas.microsoft.com/office/drawing/2014/main" xmlns="" val="20001"/>
                     </a:ext>
                   </a:extLst>
                 </a:gridCol>
@@ -11056,7 +11031,7 @@
                 </a:tc>
                 <a:extLst>
                   <a:ext uri="{0D108BD9-81ED-4DB2-BD59-A6C34878D82A}">
-                    <a16:rowId xmlns="" xmlns:a16="http://schemas.microsoft.com/office/drawing/2014/main" val="10000"/>
+                    <a16:rowId xmlns:a16="http://schemas.microsoft.com/office/drawing/2014/main" xmlns="" val="10000"/>
                   </a:ext>
                 </a:extLst>
               </a:tr>
@@ -11254,7 +11229,7 @@
                 </a:tc>
                 <a:extLst>
                   <a:ext uri="{0D108BD9-81ED-4DB2-BD59-A6C34878D82A}">
-                    <a16:rowId xmlns="" xmlns:a16="http://schemas.microsoft.com/office/drawing/2014/main" val="10001"/>
+                    <a16:rowId xmlns:a16="http://schemas.microsoft.com/office/drawing/2014/main" xmlns="" val="10001"/>
                   </a:ext>
                 </a:extLst>
               </a:tr>
@@ -11439,7 +11414,7 @@
                 </a:tc>
                 <a:extLst>
                   <a:ext uri="{0D108BD9-81ED-4DB2-BD59-A6C34878D82A}">
-                    <a16:rowId xmlns="" xmlns:a16="http://schemas.microsoft.com/office/drawing/2014/main" val="10002"/>
+                    <a16:rowId xmlns:a16="http://schemas.microsoft.com/office/drawing/2014/main" xmlns="" val="10002"/>
                   </a:ext>
                 </a:extLst>
               </a:tr>
@@ -11665,7 +11640,7 @@
                 <a:gridCol w="2016125">
                   <a:extLst>
                     <a:ext uri="{9D8B030D-6E8A-4147-A177-3AD203B41FA5}">
-                      <a16:colId xmlns="" xmlns:a16="http://schemas.microsoft.com/office/drawing/2014/main" val="20000"/>
+                      <a16:colId xmlns:a16="http://schemas.microsoft.com/office/drawing/2014/main" xmlns="" val="20000"/>
                     </a:ext>
                   </a:extLst>
                 </a:gridCol>
@@ -11769,7 +11744,7 @@
                 </a:tc>
                 <a:extLst>
                   <a:ext uri="{0D108BD9-81ED-4DB2-BD59-A6C34878D82A}">
-                    <a16:rowId xmlns="" xmlns:a16="http://schemas.microsoft.com/office/drawing/2014/main" val="10000"/>
+                    <a16:rowId xmlns:a16="http://schemas.microsoft.com/office/drawing/2014/main" xmlns="" val="10000"/>
                   </a:ext>
                 </a:extLst>
               </a:tr>
@@ -12316,6 +12291,74 @@
           </a:p>
         </p:txBody>
       </p:sp>
+      <p:sp>
+        <p:nvSpPr>
+          <p:cNvPr id="11" name="타원 10"/>
+          <p:cNvSpPr/>
+          <p:nvPr/>
+        </p:nvSpPr>
+        <p:spPr>
+          <a:xfrm>
+            <a:off x="6264188" y="4761148"/>
+            <a:ext cx="1659726" cy="1659726"/>
+          </a:xfrm>
+          <a:prstGeom prst="ellipse">
+            <a:avLst/>
+          </a:prstGeom>
+          <a:solidFill>
+            <a:srgbClr val="FF0000"/>
+          </a:solidFill>
+          <a:ln w="12700">
+            <a:solidFill>
+              <a:srgbClr val="FF0000"/>
+            </a:solidFill>
+          </a:ln>
+        </p:spPr>
+        <p:style>
+          <a:lnRef idx="2">
+            <a:schemeClr val="accent1">
+              <a:shade val="50000"/>
+            </a:schemeClr>
+          </a:lnRef>
+          <a:fillRef idx="1">
+            <a:schemeClr val="accent1"/>
+          </a:fillRef>
+          <a:effectRef idx="0">
+            <a:schemeClr val="accent1"/>
+          </a:effectRef>
+          <a:fontRef idx="minor">
+            <a:schemeClr val="lt1"/>
+          </a:fontRef>
+        </p:style>
+        <p:txBody>
+          <a:bodyPr rtlCol="0" anchor="ctr"/>
+          <a:lstStyle/>
+          <a:p>
+            <a:pPr algn="ctr"/>
+            <a:r>
+              <a:rPr lang="ko-KR" altLang="en-US" sz="3200" b="1" smtClean="0">
+                <a:solidFill>
+                  <a:schemeClr val="bg1"/>
+                </a:solidFill>
+              </a:rPr>
+              <a:t>완</a:t>
+            </a:r>
+            <a:r>
+              <a:rPr lang="ko-KR" altLang="en-US" sz="3200" b="1">
+                <a:solidFill>
+                  <a:schemeClr val="bg1"/>
+                </a:solidFill>
+              </a:rPr>
+              <a:t>료</a:t>
+            </a:r>
+            <a:endParaRPr lang="ko-KR" altLang="en-US" sz="3200" b="1">
+              <a:solidFill>
+                <a:schemeClr val="bg1"/>
+              </a:solidFill>
+            </a:endParaRPr>
+          </a:p>
+        </p:txBody>
+      </p:sp>
     </p:spTree>
     <p:extLst>
       <p:ext uri="{BB962C8B-B14F-4D97-AF65-F5344CB8AC3E}">
@@ -12373,7 +12416,7 @@
                 <a:gridCol w="2016125">
                   <a:extLst>
                     <a:ext uri="{9D8B030D-6E8A-4147-A177-3AD203B41FA5}">
-                      <a16:colId xmlns="" xmlns:a16="http://schemas.microsoft.com/office/drawing/2014/main" val="20000"/>
+                      <a16:colId xmlns:a16="http://schemas.microsoft.com/office/drawing/2014/main" xmlns="" val="20000"/>
                     </a:ext>
                   </a:extLst>
                 </a:gridCol>
@@ -12477,7 +12520,7 @@
                 </a:tc>
                 <a:extLst>
                   <a:ext uri="{0D108BD9-81ED-4DB2-BD59-A6C34878D82A}">
-                    <a16:rowId xmlns="" xmlns:a16="http://schemas.microsoft.com/office/drawing/2014/main" val="10000"/>
+                    <a16:rowId xmlns:a16="http://schemas.microsoft.com/office/drawing/2014/main" xmlns="" val="10000"/>
                   </a:ext>
                 </a:extLst>
               </a:tr>
@@ -13341,6 +13384,74 @@
           </a:extLst>
         </p:spPr>
       </p:pic>
+      <p:sp>
+        <p:nvSpPr>
+          <p:cNvPr id="18" name="타원 17"/>
+          <p:cNvSpPr/>
+          <p:nvPr/>
+        </p:nvSpPr>
+        <p:spPr>
+          <a:xfrm>
+            <a:off x="6264188" y="4761148"/>
+            <a:ext cx="1659726" cy="1659726"/>
+          </a:xfrm>
+          <a:prstGeom prst="ellipse">
+            <a:avLst/>
+          </a:prstGeom>
+          <a:solidFill>
+            <a:srgbClr val="FF0000"/>
+          </a:solidFill>
+          <a:ln w="12700">
+            <a:solidFill>
+              <a:srgbClr val="FF0000"/>
+            </a:solidFill>
+          </a:ln>
+        </p:spPr>
+        <p:style>
+          <a:lnRef idx="2">
+            <a:schemeClr val="accent1">
+              <a:shade val="50000"/>
+            </a:schemeClr>
+          </a:lnRef>
+          <a:fillRef idx="1">
+            <a:schemeClr val="accent1"/>
+          </a:fillRef>
+          <a:effectRef idx="0">
+            <a:schemeClr val="accent1"/>
+          </a:effectRef>
+          <a:fontRef idx="minor">
+            <a:schemeClr val="lt1"/>
+          </a:fontRef>
+        </p:style>
+        <p:txBody>
+          <a:bodyPr rtlCol="0" anchor="ctr"/>
+          <a:lstStyle/>
+          <a:p>
+            <a:pPr algn="ctr"/>
+            <a:r>
+              <a:rPr lang="ko-KR" altLang="en-US" sz="3200" b="1" smtClean="0">
+                <a:solidFill>
+                  <a:schemeClr val="bg1"/>
+                </a:solidFill>
+              </a:rPr>
+              <a:t>완</a:t>
+            </a:r>
+            <a:r>
+              <a:rPr lang="ko-KR" altLang="en-US" sz="3200" b="1">
+                <a:solidFill>
+                  <a:schemeClr val="bg1"/>
+                </a:solidFill>
+              </a:rPr>
+              <a:t>료</a:t>
+            </a:r>
+            <a:endParaRPr lang="ko-KR" altLang="en-US" sz="3200" b="1">
+              <a:solidFill>
+                <a:schemeClr val="bg1"/>
+              </a:solidFill>
+            </a:endParaRPr>
+          </a:p>
+        </p:txBody>
+      </p:sp>
     </p:spTree>
     <p:extLst>
       <p:ext uri="{BB962C8B-B14F-4D97-AF65-F5344CB8AC3E}">
@@ -13398,7 +13509,7 @@
                 <a:gridCol w="2016125">
                   <a:extLst>
                     <a:ext uri="{9D8B030D-6E8A-4147-A177-3AD203B41FA5}">
-                      <a16:colId xmlns="" xmlns:a16="http://schemas.microsoft.com/office/drawing/2014/main" val="20000"/>
+                      <a16:colId xmlns:a16="http://schemas.microsoft.com/office/drawing/2014/main" xmlns="" val="20000"/>
                     </a:ext>
                   </a:extLst>
                 </a:gridCol>
@@ -13502,7 +13613,7 @@
                 </a:tc>
                 <a:extLst>
                   <a:ext uri="{0D108BD9-81ED-4DB2-BD59-A6C34878D82A}">
-                    <a16:rowId xmlns="" xmlns:a16="http://schemas.microsoft.com/office/drawing/2014/main" val="10000"/>
+                    <a16:rowId xmlns:a16="http://schemas.microsoft.com/office/drawing/2014/main" xmlns="" val="10000"/>
                   </a:ext>
                 </a:extLst>
               </a:tr>
@@ -15070,6 +15181,74 @@
           </a:p>
         </p:txBody>
       </p:sp>
+      <p:sp>
+        <p:nvSpPr>
+          <p:cNvPr id="22" name="타원 21"/>
+          <p:cNvSpPr/>
+          <p:nvPr/>
+        </p:nvSpPr>
+        <p:spPr>
+          <a:xfrm>
+            <a:off x="6264188" y="4761148"/>
+            <a:ext cx="1659726" cy="1659726"/>
+          </a:xfrm>
+          <a:prstGeom prst="ellipse">
+            <a:avLst/>
+          </a:prstGeom>
+          <a:solidFill>
+            <a:srgbClr val="FF0000"/>
+          </a:solidFill>
+          <a:ln w="12700">
+            <a:solidFill>
+              <a:srgbClr val="FF0000"/>
+            </a:solidFill>
+          </a:ln>
+        </p:spPr>
+        <p:style>
+          <a:lnRef idx="2">
+            <a:schemeClr val="accent1">
+              <a:shade val="50000"/>
+            </a:schemeClr>
+          </a:lnRef>
+          <a:fillRef idx="1">
+            <a:schemeClr val="accent1"/>
+          </a:fillRef>
+          <a:effectRef idx="0">
+            <a:schemeClr val="accent1"/>
+          </a:effectRef>
+          <a:fontRef idx="minor">
+            <a:schemeClr val="lt1"/>
+          </a:fontRef>
+        </p:style>
+        <p:txBody>
+          <a:bodyPr rtlCol="0" anchor="ctr"/>
+          <a:lstStyle/>
+          <a:p>
+            <a:pPr algn="ctr"/>
+            <a:r>
+              <a:rPr lang="ko-KR" altLang="en-US" sz="3200" b="1" smtClean="0">
+                <a:solidFill>
+                  <a:schemeClr val="bg1"/>
+                </a:solidFill>
+              </a:rPr>
+              <a:t>완</a:t>
+            </a:r>
+            <a:r>
+              <a:rPr lang="ko-KR" altLang="en-US" sz="3200" b="1">
+                <a:solidFill>
+                  <a:schemeClr val="bg1"/>
+                </a:solidFill>
+              </a:rPr>
+              <a:t>료</a:t>
+            </a:r>
+            <a:endParaRPr lang="ko-KR" altLang="en-US" sz="3200" b="1">
+              <a:solidFill>
+                <a:schemeClr val="bg1"/>
+              </a:solidFill>
+            </a:endParaRPr>
+          </a:p>
+        </p:txBody>
+      </p:sp>
     </p:spTree>
     <p:extLst>
       <p:ext uri="{BB962C8B-B14F-4D97-AF65-F5344CB8AC3E}">
@@ -15127,7 +15306,7 @@
                 <a:gridCol w="2016125">
                   <a:extLst>
                     <a:ext uri="{9D8B030D-6E8A-4147-A177-3AD203B41FA5}">
-                      <a16:colId xmlns="" xmlns:a16="http://schemas.microsoft.com/office/drawing/2014/main" val="20000"/>
+                      <a16:colId xmlns:a16="http://schemas.microsoft.com/office/drawing/2014/main" xmlns="" val="20000"/>
                     </a:ext>
                   </a:extLst>
                 </a:gridCol>
@@ -15231,7 +15410,7 @@
                 </a:tc>
                 <a:extLst>
                   <a:ext uri="{0D108BD9-81ED-4DB2-BD59-A6C34878D82A}">
-                    <a16:rowId xmlns="" xmlns:a16="http://schemas.microsoft.com/office/drawing/2014/main" val="10000"/>
+                    <a16:rowId xmlns:a16="http://schemas.microsoft.com/office/drawing/2014/main" xmlns="" val="10000"/>
                   </a:ext>
                 </a:extLst>
               </a:tr>
@@ -16212,6 +16391,74 @@
           </a:p>
         </p:txBody>
       </p:sp>
+      <p:sp>
+        <p:nvSpPr>
+          <p:cNvPr id="26" name="타원 25"/>
+          <p:cNvSpPr/>
+          <p:nvPr/>
+        </p:nvSpPr>
+        <p:spPr>
+          <a:xfrm>
+            <a:off x="6264188" y="4761148"/>
+            <a:ext cx="1659726" cy="1659726"/>
+          </a:xfrm>
+          <a:prstGeom prst="ellipse">
+            <a:avLst/>
+          </a:prstGeom>
+          <a:solidFill>
+            <a:srgbClr val="FF0000"/>
+          </a:solidFill>
+          <a:ln w="12700">
+            <a:solidFill>
+              <a:srgbClr val="FF0000"/>
+            </a:solidFill>
+          </a:ln>
+        </p:spPr>
+        <p:style>
+          <a:lnRef idx="2">
+            <a:schemeClr val="accent1">
+              <a:shade val="50000"/>
+            </a:schemeClr>
+          </a:lnRef>
+          <a:fillRef idx="1">
+            <a:schemeClr val="accent1"/>
+          </a:fillRef>
+          <a:effectRef idx="0">
+            <a:schemeClr val="accent1"/>
+          </a:effectRef>
+          <a:fontRef idx="minor">
+            <a:schemeClr val="lt1"/>
+          </a:fontRef>
+        </p:style>
+        <p:txBody>
+          <a:bodyPr rtlCol="0" anchor="ctr"/>
+          <a:lstStyle/>
+          <a:p>
+            <a:pPr algn="ctr"/>
+            <a:r>
+              <a:rPr lang="ko-KR" altLang="en-US" sz="3200" b="1" smtClean="0">
+                <a:solidFill>
+                  <a:schemeClr val="bg1"/>
+                </a:solidFill>
+              </a:rPr>
+              <a:t>완</a:t>
+            </a:r>
+            <a:r>
+              <a:rPr lang="ko-KR" altLang="en-US" sz="3200" b="1">
+                <a:solidFill>
+                  <a:schemeClr val="bg1"/>
+                </a:solidFill>
+              </a:rPr>
+              <a:t>료</a:t>
+            </a:r>
+            <a:endParaRPr lang="ko-KR" altLang="en-US" sz="3200" b="1">
+              <a:solidFill>
+                <a:schemeClr val="bg1"/>
+              </a:solidFill>
+            </a:endParaRPr>
+          </a:p>
+        </p:txBody>
+      </p:sp>
     </p:spTree>
     <p:extLst>
       <p:ext uri="{BB962C8B-B14F-4D97-AF65-F5344CB8AC3E}">
@@ -16275,49 +16522,49 @@
                 <a:gridCol w="540184">
                   <a:extLst>
                     <a:ext uri="{9D8B030D-6E8A-4147-A177-3AD203B41FA5}">
-                      <a16:colId xmlns="" xmlns:a16="http://schemas.microsoft.com/office/drawing/2014/main" val="20000"/>
+                      <a16:colId xmlns:a16="http://schemas.microsoft.com/office/drawing/2014/main" xmlns="" val="20000"/>
                     </a:ext>
                   </a:extLst>
                 </a:gridCol>
                 <a:gridCol w="576064">
                   <a:extLst>
                     <a:ext uri="{9D8B030D-6E8A-4147-A177-3AD203B41FA5}">
-                      <a16:colId xmlns="" xmlns:a16="http://schemas.microsoft.com/office/drawing/2014/main" val="20001"/>
+                      <a16:colId xmlns:a16="http://schemas.microsoft.com/office/drawing/2014/main" xmlns="" val="20001"/>
                     </a:ext>
                   </a:extLst>
                 </a:gridCol>
                 <a:gridCol w="2929184">
                   <a:extLst>
                     <a:ext uri="{9D8B030D-6E8A-4147-A177-3AD203B41FA5}">
-                      <a16:colId xmlns="" xmlns:a16="http://schemas.microsoft.com/office/drawing/2014/main" val="20002"/>
+                      <a16:colId xmlns:a16="http://schemas.microsoft.com/office/drawing/2014/main" xmlns="" val="20002"/>
                     </a:ext>
                   </a:extLst>
                 </a:gridCol>
                 <a:gridCol w="675797">
                   <a:extLst>
                     <a:ext uri="{9D8B030D-6E8A-4147-A177-3AD203B41FA5}">
-                      <a16:colId xmlns="" xmlns:a16="http://schemas.microsoft.com/office/drawing/2014/main" val="20003"/>
+                      <a16:colId xmlns:a16="http://schemas.microsoft.com/office/drawing/2014/main" xmlns="" val="20003"/>
                     </a:ext>
                   </a:extLst>
                 </a:gridCol>
                 <a:gridCol w="1277955">
                   <a:extLst>
                     <a:ext uri="{9D8B030D-6E8A-4147-A177-3AD203B41FA5}">
-                      <a16:colId xmlns="" xmlns:a16="http://schemas.microsoft.com/office/drawing/2014/main" val="20004"/>
+                      <a16:colId xmlns:a16="http://schemas.microsoft.com/office/drawing/2014/main" xmlns="" val="20004"/>
                     </a:ext>
                   </a:extLst>
                 </a:gridCol>
                 <a:gridCol w="1789137">
                   <a:extLst>
                     <a:ext uri="{9D8B030D-6E8A-4147-A177-3AD203B41FA5}">
-                      <a16:colId xmlns="" xmlns:a16="http://schemas.microsoft.com/office/drawing/2014/main" val="20005"/>
+                      <a16:colId xmlns:a16="http://schemas.microsoft.com/office/drawing/2014/main" xmlns="" val="20005"/>
                     </a:ext>
                   </a:extLst>
                 </a:gridCol>
                 <a:gridCol w="985851">
                   <a:extLst>
                     <a:ext uri="{9D8B030D-6E8A-4147-A177-3AD203B41FA5}">
-                      <a16:colId xmlns="" xmlns:a16="http://schemas.microsoft.com/office/drawing/2014/main" val="20006"/>
+                      <a16:colId xmlns:a16="http://schemas.microsoft.com/office/drawing/2014/main" xmlns="" val="20006"/>
                     </a:ext>
                   </a:extLst>
                 </a:gridCol>
@@ -16889,7 +17136,7 @@
                 </a:tc>
                 <a:extLst>
                   <a:ext uri="{0D108BD9-81ED-4DB2-BD59-A6C34878D82A}">
-                    <a16:rowId xmlns="" xmlns:a16="http://schemas.microsoft.com/office/drawing/2014/main" val="10000"/>
+                    <a16:rowId xmlns:a16="http://schemas.microsoft.com/office/drawing/2014/main" xmlns="" val="10000"/>
                   </a:ext>
                 </a:extLst>
               </a:tr>
@@ -17553,7 +17800,7 @@
                 </a:tc>
                 <a:extLst>
                   <a:ext uri="{0D108BD9-81ED-4DB2-BD59-A6C34878D82A}">
-                    <a16:rowId xmlns="" xmlns:a16="http://schemas.microsoft.com/office/drawing/2014/main" val="10001"/>
+                    <a16:rowId xmlns:a16="http://schemas.microsoft.com/office/drawing/2014/main" xmlns="" val="10001"/>
                   </a:ext>
                 </a:extLst>
               </a:tr>
@@ -18333,7 +18580,7 @@
                 </a:tc>
                 <a:extLst>
                   <a:ext uri="{0D108BD9-81ED-4DB2-BD59-A6C34878D82A}">
-                    <a16:rowId xmlns="" xmlns:a16="http://schemas.microsoft.com/office/drawing/2014/main" val="10002"/>
+                    <a16:rowId xmlns:a16="http://schemas.microsoft.com/office/drawing/2014/main" xmlns="" val="10002"/>
                   </a:ext>
                 </a:extLst>
               </a:tr>
@@ -19127,7 +19374,7 @@
                 </a:tc>
                 <a:extLst>
                   <a:ext uri="{0D108BD9-81ED-4DB2-BD59-A6C34878D82A}">
-                    <a16:rowId xmlns="" xmlns:a16="http://schemas.microsoft.com/office/drawing/2014/main" val="10003"/>
+                    <a16:rowId xmlns:a16="http://schemas.microsoft.com/office/drawing/2014/main" xmlns="" val="10003"/>
                   </a:ext>
                 </a:extLst>
               </a:tr>
@@ -19879,7 +20126,7 @@
                 </a:tc>
                 <a:extLst>
                   <a:ext uri="{0D108BD9-81ED-4DB2-BD59-A6C34878D82A}">
-                    <a16:rowId xmlns="" xmlns:a16="http://schemas.microsoft.com/office/drawing/2014/main" val="10004"/>
+                    <a16:rowId xmlns:a16="http://schemas.microsoft.com/office/drawing/2014/main" xmlns="" val="10004"/>
                   </a:ext>
                 </a:extLst>
               </a:tr>
@@ -20533,7 +20780,7 @@
                 </a:tc>
                 <a:extLst>
                   <a:ext uri="{0D108BD9-81ED-4DB2-BD59-A6C34878D82A}">
-                    <a16:rowId xmlns="" xmlns:a16="http://schemas.microsoft.com/office/drawing/2014/main" val="10005"/>
+                    <a16:rowId xmlns:a16="http://schemas.microsoft.com/office/drawing/2014/main" xmlns="" val="10005"/>
                   </a:ext>
                 </a:extLst>
               </a:tr>
@@ -21158,7 +21405,7 @@
                 </a:tc>
                 <a:extLst>
                   <a:ext uri="{0D108BD9-81ED-4DB2-BD59-A6C34878D82A}">
-                    <a16:rowId xmlns="" xmlns:a16="http://schemas.microsoft.com/office/drawing/2014/main" val="10006"/>
+                    <a16:rowId xmlns:a16="http://schemas.microsoft.com/office/drawing/2014/main" xmlns="" val="10006"/>
                   </a:ext>
                 </a:extLst>
               </a:tr>
@@ -21637,7 +21884,7 @@
                 </a:tc>
                 <a:extLst>
                   <a:ext uri="{0D108BD9-81ED-4DB2-BD59-A6C34878D82A}">
-                    <a16:rowId xmlns="" xmlns:a16="http://schemas.microsoft.com/office/drawing/2014/main" val="10007"/>
+                    <a16:rowId xmlns:a16="http://schemas.microsoft.com/office/drawing/2014/main" xmlns="" val="10007"/>
                   </a:ext>
                 </a:extLst>
               </a:tr>
@@ -21697,7 +21944,7 @@
                 <a:gridCol w="2016125">
                   <a:extLst>
                     <a:ext uri="{9D8B030D-6E8A-4147-A177-3AD203B41FA5}">
-                      <a16:colId xmlns="" xmlns:a16="http://schemas.microsoft.com/office/drawing/2014/main" val="20000"/>
+                      <a16:colId xmlns:a16="http://schemas.microsoft.com/office/drawing/2014/main" xmlns="" val="20000"/>
                     </a:ext>
                   </a:extLst>
                 </a:gridCol>
@@ -21801,7 +22048,7 @@
                 </a:tc>
                 <a:extLst>
                   <a:ext uri="{0D108BD9-81ED-4DB2-BD59-A6C34878D82A}">
-                    <a16:rowId xmlns="" xmlns:a16="http://schemas.microsoft.com/office/drawing/2014/main" val="10000"/>
+                    <a16:rowId xmlns:a16="http://schemas.microsoft.com/office/drawing/2014/main" xmlns="" val="10000"/>
                   </a:ext>
                 </a:extLst>
               </a:tr>
@@ -22306,6 +22553,74 @@
           </a:prstGeom>
         </p:spPr>
       </p:pic>
+      <p:sp>
+        <p:nvSpPr>
+          <p:cNvPr id="2" name="타원 1"/>
+          <p:cNvSpPr/>
+          <p:nvPr/>
+        </p:nvSpPr>
+        <p:spPr>
+          <a:xfrm>
+            <a:off x="6264188" y="4761148"/>
+            <a:ext cx="1659726" cy="1659726"/>
+          </a:xfrm>
+          <a:prstGeom prst="ellipse">
+            <a:avLst/>
+          </a:prstGeom>
+          <a:solidFill>
+            <a:srgbClr val="FF0000"/>
+          </a:solidFill>
+          <a:ln w="12700">
+            <a:solidFill>
+              <a:srgbClr val="FF0000"/>
+            </a:solidFill>
+          </a:ln>
+        </p:spPr>
+        <p:style>
+          <a:lnRef idx="2">
+            <a:schemeClr val="accent1">
+              <a:shade val="50000"/>
+            </a:schemeClr>
+          </a:lnRef>
+          <a:fillRef idx="1">
+            <a:schemeClr val="accent1"/>
+          </a:fillRef>
+          <a:effectRef idx="0">
+            <a:schemeClr val="accent1"/>
+          </a:effectRef>
+          <a:fontRef idx="minor">
+            <a:schemeClr val="lt1"/>
+          </a:fontRef>
+        </p:style>
+        <p:txBody>
+          <a:bodyPr rtlCol="0" anchor="ctr"/>
+          <a:lstStyle/>
+          <a:p>
+            <a:pPr algn="ctr"/>
+            <a:r>
+              <a:rPr lang="ko-KR" altLang="en-US" sz="3200" b="1" smtClean="0">
+                <a:solidFill>
+                  <a:schemeClr val="bg1"/>
+                </a:solidFill>
+              </a:rPr>
+              <a:t>완</a:t>
+            </a:r>
+            <a:r>
+              <a:rPr lang="ko-KR" altLang="en-US" sz="3200" b="1">
+                <a:solidFill>
+                  <a:schemeClr val="bg1"/>
+                </a:solidFill>
+              </a:rPr>
+              <a:t>료</a:t>
+            </a:r>
+            <a:endParaRPr lang="ko-KR" altLang="en-US" sz="3200" b="1">
+              <a:solidFill>
+                <a:schemeClr val="bg1"/>
+              </a:solidFill>
+            </a:endParaRPr>
+          </a:p>
+        </p:txBody>
+      </p:sp>
     </p:spTree>
   </p:cSld>
   <p:clrMapOvr>
@@ -22381,7 +22696,7 @@
                 <a:gridCol w="2016125">
                   <a:extLst>
                     <a:ext uri="{9D8B030D-6E8A-4147-A177-3AD203B41FA5}">
-                      <a16:colId xmlns="" xmlns:a16="http://schemas.microsoft.com/office/drawing/2014/main" val="20000"/>
+                      <a16:colId xmlns:a16="http://schemas.microsoft.com/office/drawing/2014/main" xmlns="" val="20000"/>
                     </a:ext>
                   </a:extLst>
                 </a:gridCol>
@@ -22485,7 +22800,7 @@
                 </a:tc>
                 <a:extLst>
                   <a:ext uri="{0D108BD9-81ED-4DB2-BD59-A6C34878D82A}">
-                    <a16:rowId xmlns="" xmlns:a16="http://schemas.microsoft.com/office/drawing/2014/main" val="10000"/>
+                    <a16:rowId xmlns:a16="http://schemas.microsoft.com/office/drawing/2014/main" xmlns="" val="10000"/>
                   </a:ext>
                 </a:extLst>
               </a:tr>
@@ -23013,14 +23328,14 @@
                 <a:gridCol w="858104">
                   <a:extLst>
                     <a:ext uri="{9D8B030D-6E8A-4147-A177-3AD203B41FA5}">
-                      <a16:colId xmlns="" xmlns:a16="http://schemas.microsoft.com/office/drawing/2014/main" val="20000"/>
+                      <a16:colId xmlns:a16="http://schemas.microsoft.com/office/drawing/2014/main" xmlns="" val="20000"/>
                     </a:ext>
                   </a:extLst>
                 </a:gridCol>
                 <a:gridCol w="2722200">
                   <a:extLst>
                     <a:ext uri="{9D8B030D-6E8A-4147-A177-3AD203B41FA5}">
-                      <a16:colId xmlns="" xmlns:a16="http://schemas.microsoft.com/office/drawing/2014/main" val="20001"/>
+                      <a16:colId xmlns:a16="http://schemas.microsoft.com/office/drawing/2014/main" xmlns="" val="20001"/>
                     </a:ext>
                   </a:extLst>
                 </a:gridCol>
@@ -23188,7 +23503,7 @@
                 </a:tc>
                 <a:extLst>
                   <a:ext uri="{0D108BD9-81ED-4DB2-BD59-A6C34878D82A}">
-                    <a16:rowId xmlns="" xmlns:a16="http://schemas.microsoft.com/office/drawing/2014/main" val="10000"/>
+                    <a16:rowId xmlns:a16="http://schemas.microsoft.com/office/drawing/2014/main" xmlns="" val="10000"/>
                   </a:ext>
                 </a:extLst>
               </a:tr>
@@ -23541,6 +23856,74 @@
           </a:extLst>
         </p:spPr>
       </p:pic>
+      <p:sp>
+        <p:nvSpPr>
+          <p:cNvPr id="16" name="타원 15"/>
+          <p:cNvSpPr/>
+          <p:nvPr/>
+        </p:nvSpPr>
+        <p:spPr>
+          <a:xfrm>
+            <a:off x="6264188" y="4761148"/>
+            <a:ext cx="1659726" cy="1659726"/>
+          </a:xfrm>
+          <a:prstGeom prst="ellipse">
+            <a:avLst/>
+          </a:prstGeom>
+          <a:solidFill>
+            <a:srgbClr val="FF0000"/>
+          </a:solidFill>
+          <a:ln w="12700">
+            <a:solidFill>
+              <a:srgbClr val="FF0000"/>
+            </a:solidFill>
+          </a:ln>
+        </p:spPr>
+        <p:style>
+          <a:lnRef idx="2">
+            <a:schemeClr val="accent1">
+              <a:shade val="50000"/>
+            </a:schemeClr>
+          </a:lnRef>
+          <a:fillRef idx="1">
+            <a:schemeClr val="accent1"/>
+          </a:fillRef>
+          <a:effectRef idx="0">
+            <a:schemeClr val="accent1"/>
+          </a:effectRef>
+          <a:fontRef idx="minor">
+            <a:schemeClr val="lt1"/>
+          </a:fontRef>
+        </p:style>
+        <p:txBody>
+          <a:bodyPr rtlCol="0" anchor="ctr"/>
+          <a:lstStyle/>
+          <a:p>
+            <a:pPr algn="ctr"/>
+            <a:r>
+              <a:rPr lang="ko-KR" altLang="en-US" sz="3200" b="1" smtClean="0">
+                <a:solidFill>
+                  <a:schemeClr val="bg1"/>
+                </a:solidFill>
+              </a:rPr>
+              <a:t>완</a:t>
+            </a:r>
+            <a:r>
+              <a:rPr lang="ko-KR" altLang="en-US" sz="3200" b="1">
+                <a:solidFill>
+                  <a:schemeClr val="bg1"/>
+                </a:solidFill>
+              </a:rPr>
+              <a:t>료</a:t>
+            </a:r>
+            <a:endParaRPr lang="ko-KR" altLang="en-US" sz="3200" b="1">
+              <a:solidFill>
+                <a:schemeClr val="bg1"/>
+              </a:solidFill>
+            </a:endParaRPr>
+          </a:p>
+        </p:txBody>
+      </p:sp>
     </p:spTree>
     <p:extLst>
       <p:ext uri="{BB962C8B-B14F-4D97-AF65-F5344CB8AC3E}">
@@ -23743,7 +24126,7 @@
                 <a:gridCol w="2016125">
                   <a:extLst>
                     <a:ext uri="{9D8B030D-6E8A-4147-A177-3AD203B41FA5}">
-                      <a16:colId xmlns="" xmlns:a16="http://schemas.microsoft.com/office/drawing/2014/main" val="20000"/>
+                      <a16:colId xmlns:a16="http://schemas.microsoft.com/office/drawing/2014/main" xmlns="" val="20000"/>
                     </a:ext>
                   </a:extLst>
                 </a:gridCol>
@@ -23847,7 +24230,7 @@
                 </a:tc>
                 <a:extLst>
                   <a:ext uri="{0D108BD9-81ED-4DB2-BD59-A6C34878D82A}">
-                    <a16:rowId xmlns="" xmlns:a16="http://schemas.microsoft.com/office/drawing/2014/main" val="10000"/>
+                    <a16:rowId xmlns:a16="http://schemas.microsoft.com/office/drawing/2014/main" xmlns="" val="10000"/>
                   </a:ext>
                 </a:extLst>
               </a:tr>
@@ -25133,7 +25516,7 @@
           <p:cNvPr id="29" name="그림 28">
             <a:extLst>
               <a:ext uri="{FF2B5EF4-FFF2-40B4-BE49-F238E27FC236}">
-                <a16:creationId xmlns="" xmlns:a16="http://schemas.microsoft.com/office/drawing/2014/main" id="{DEEB3194-430D-4A4E-8DEF-5B08710B8A78}"/>
+                <a16:creationId xmlns:a16="http://schemas.microsoft.com/office/drawing/2014/main" xmlns="" id="{DEEB3194-430D-4A4E-8DEF-5B08710B8A78}"/>
               </a:ext>
             </a:extLst>
           </p:cNvPr>
@@ -25163,7 +25546,7 @@
           <p:cNvPr id="57" name="그림 56">
             <a:extLst>
               <a:ext uri="{FF2B5EF4-FFF2-40B4-BE49-F238E27FC236}">
-                <a16:creationId xmlns="" xmlns:a16="http://schemas.microsoft.com/office/drawing/2014/main" id="{DEEB3194-430D-4A4E-8DEF-5B08710B8A78}"/>
+                <a16:creationId xmlns:a16="http://schemas.microsoft.com/office/drawing/2014/main" xmlns="" id="{DEEB3194-430D-4A4E-8DEF-5B08710B8A78}"/>
               </a:ext>
             </a:extLst>
           </p:cNvPr>
@@ -25409,14 +25792,14 @@
                 <a:gridCol w="858104">
                   <a:extLst>
                     <a:ext uri="{9D8B030D-6E8A-4147-A177-3AD203B41FA5}">
-                      <a16:colId xmlns="" xmlns:a16="http://schemas.microsoft.com/office/drawing/2014/main" val="20000"/>
+                      <a16:colId xmlns:a16="http://schemas.microsoft.com/office/drawing/2014/main" xmlns="" val="20000"/>
                     </a:ext>
                   </a:extLst>
                 </a:gridCol>
                 <a:gridCol w="5830760">
                   <a:extLst>
                     <a:ext uri="{9D8B030D-6E8A-4147-A177-3AD203B41FA5}">
-                      <a16:colId xmlns="" xmlns:a16="http://schemas.microsoft.com/office/drawing/2014/main" val="20001"/>
+                      <a16:colId xmlns:a16="http://schemas.microsoft.com/office/drawing/2014/main" xmlns="" val="20001"/>
                     </a:ext>
                   </a:extLst>
                 </a:gridCol>
@@ -25653,7 +26036,7 @@
                 </a:tc>
                 <a:extLst>
                   <a:ext uri="{0D108BD9-81ED-4DB2-BD59-A6C34878D82A}">
-                    <a16:rowId xmlns="" xmlns:a16="http://schemas.microsoft.com/office/drawing/2014/main" val="10000"/>
+                    <a16:rowId xmlns:a16="http://schemas.microsoft.com/office/drawing/2014/main" xmlns="" val="10000"/>
                   </a:ext>
                 </a:extLst>
               </a:tr>
@@ -25661,6 +26044,74 @@
           </a:graphicData>
         </a:graphic>
       </p:graphicFrame>
+      <p:sp>
+        <p:nvSpPr>
+          <p:cNvPr id="33" name="타원 32"/>
+          <p:cNvSpPr/>
+          <p:nvPr/>
+        </p:nvSpPr>
+        <p:spPr>
+          <a:xfrm>
+            <a:off x="6264188" y="4761148"/>
+            <a:ext cx="1659726" cy="1659726"/>
+          </a:xfrm>
+          <a:prstGeom prst="ellipse">
+            <a:avLst/>
+          </a:prstGeom>
+          <a:solidFill>
+            <a:srgbClr val="FF0000"/>
+          </a:solidFill>
+          <a:ln w="12700">
+            <a:solidFill>
+              <a:srgbClr val="FF0000"/>
+            </a:solidFill>
+          </a:ln>
+        </p:spPr>
+        <p:style>
+          <a:lnRef idx="2">
+            <a:schemeClr val="accent1">
+              <a:shade val="50000"/>
+            </a:schemeClr>
+          </a:lnRef>
+          <a:fillRef idx="1">
+            <a:schemeClr val="accent1"/>
+          </a:fillRef>
+          <a:effectRef idx="0">
+            <a:schemeClr val="accent1"/>
+          </a:effectRef>
+          <a:fontRef idx="minor">
+            <a:schemeClr val="lt1"/>
+          </a:fontRef>
+        </p:style>
+        <p:txBody>
+          <a:bodyPr rtlCol="0" anchor="ctr"/>
+          <a:lstStyle/>
+          <a:p>
+            <a:pPr algn="ctr"/>
+            <a:r>
+              <a:rPr lang="ko-KR" altLang="en-US" sz="3200" b="1" smtClean="0">
+                <a:solidFill>
+                  <a:schemeClr val="bg1"/>
+                </a:solidFill>
+              </a:rPr>
+              <a:t>완</a:t>
+            </a:r>
+            <a:r>
+              <a:rPr lang="ko-KR" altLang="en-US" sz="3200" b="1">
+                <a:solidFill>
+                  <a:schemeClr val="bg1"/>
+                </a:solidFill>
+              </a:rPr>
+              <a:t>료</a:t>
+            </a:r>
+            <a:endParaRPr lang="ko-KR" altLang="en-US" sz="3200" b="1">
+              <a:solidFill>
+                <a:schemeClr val="bg1"/>
+              </a:solidFill>
+            </a:endParaRPr>
+          </a:p>
+        </p:txBody>
+      </p:sp>
     </p:spTree>
     <p:extLst>
       <p:ext uri="{BB962C8B-B14F-4D97-AF65-F5344CB8AC3E}">
@@ -25815,7 +26266,7 @@
                 <a:gridCol w="2016125">
                   <a:extLst>
                     <a:ext uri="{9D8B030D-6E8A-4147-A177-3AD203B41FA5}">
-                      <a16:colId xmlns="" xmlns:a16="http://schemas.microsoft.com/office/drawing/2014/main" val="20000"/>
+                      <a16:colId xmlns:a16="http://schemas.microsoft.com/office/drawing/2014/main" xmlns="" val="20000"/>
                     </a:ext>
                   </a:extLst>
                 </a:gridCol>
@@ -25919,7 +26370,7 @@
                 </a:tc>
                 <a:extLst>
                   <a:ext uri="{0D108BD9-81ED-4DB2-BD59-A6C34878D82A}">
-                    <a16:rowId xmlns="" xmlns:a16="http://schemas.microsoft.com/office/drawing/2014/main" val="10000"/>
+                    <a16:rowId xmlns:a16="http://schemas.microsoft.com/office/drawing/2014/main" xmlns="" val="10000"/>
                   </a:ext>
                 </a:extLst>
               </a:tr>
@@ -26581,14 +27032,14 @@
                 <a:gridCol w="858104">
                   <a:extLst>
                     <a:ext uri="{9D8B030D-6E8A-4147-A177-3AD203B41FA5}">
-                      <a16:colId xmlns="" xmlns:a16="http://schemas.microsoft.com/office/drawing/2014/main" val="20000"/>
+                      <a16:colId xmlns:a16="http://schemas.microsoft.com/office/drawing/2014/main" xmlns="" val="20000"/>
                     </a:ext>
                   </a:extLst>
                 </a:gridCol>
                 <a:gridCol w="5830760">
                   <a:extLst>
                     <a:ext uri="{9D8B030D-6E8A-4147-A177-3AD203B41FA5}">
-                      <a16:colId xmlns="" xmlns:a16="http://schemas.microsoft.com/office/drawing/2014/main" val="20001"/>
+                      <a16:colId xmlns:a16="http://schemas.microsoft.com/office/drawing/2014/main" xmlns="" val="20001"/>
                     </a:ext>
                   </a:extLst>
                 </a:gridCol>
@@ -26825,7 +27276,7 @@
                 </a:tc>
                 <a:extLst>
                   <a:ext uri="{0D108BD9-81ED-4DB2-BD59-A6C34878D82A}">
-                    <a16:rowId xmlns="" xmlns:a16="http://schemas.microsoft.com/office/drawing/2014/main" val="10000"/>
+                    <a16:rowId xmlns:a16="http://schemas.microsoft.com/office/drawing/2014/main" xmlns="" val="10000"/>
                   </a:ext>
                 </a:extLst>
               </a:tr>
@@ -26833,6 +27284,74 @@
           </a:graphicData>
         </a:graphic>
       </p:graphicFrame>
+      <p:sp>
+        <p:nvSpPr>
+          <p:cNvPr id="22" name="타원 21"/>
+          <p:cNvSpPr/>
+          <p:nvPr/>
+        </p:nvSpPr>
+        <p:spPr>
+          <a:xfrm>
+            <a:off x="6264188" y="4761148"/>
+            <a:ext cx="1659726" cy="1659726"/>
+          </a:xfrm>
+          <a:prstGeom prst="ellipse">
+            <a:avLst/>
+          </a:prstGeom>
+          <a:solidFill>
+            <a:srgbClr val="FF0000"/>
+          </a:solidFill>
+          <a:ln w="12700">
+            <a:solidFill>
+              <a:srgbClr val="FF0000"/>
+            </a:solidFill>
+          </a:ln>
+        </p:spPr>
+        <p:style>
+          <a:lnRef idx="2">
+            <a:schemeClr val="accent1">
+              <a:shade val="50000"/>
+            </a:schemeClr>
+          </a:lnRef>
+          <a:fillRef idx="1">
+            <a:schemeClr val="accent1"/>
+          </a:fillRef>
+          <a:effectRef idx="0">
+            <a:schemeClr val="accent1"/>
+          </a:effectRef>
+          <a:fontRef idx="minor">
+            <a:schemeClr val="lt1"/>
+          </a:fontRef>
+        </p:style>
+        <p:txBody>
+          <a:bodyPr rtlCol="0" anchor="ctr"/>
+          <a:lstStyle/>
+          <a:p>
+            <a:pPr algn="ctr"/>
+            <a:r>
+              <a:rPr lang="ko-KR" altLang="en-US" sz="3200" b="1" smtClean="0">
+                <a:solidFill>
+                  <a:schemeClr val="bg1"/>
+                </a:solidFill>
+              </a:rPr>
+              <a:t>완</a:t>
+            </a:r>
+            <a:r>
+              <a:rPr lang="ko-KR" altLang="en-US" sz="3200" b="1">
+                <a:solidFill>
+                  <a:schemeClr val="bg1"/>
+                </a:solidFill>
+              </a:rPr>
+              <a:t>료</a:t>
+            </a:r>
+            <a:endParaRPr lang="ko-KR" altLang="en-US" sz="3200" b="1">
+              <a:solidFill>
+                <a:schemeClr val="bg1"/>
+              </a:solidFill>
+            </a:endParaRPr>
+          </a:p>
+        </p:txBody>
+      </p:sp>
     </p:spTree>
     <p:extLst>
       <p:ext uri="{BB962C8B-B14F-4D97-AF65-F5344CB8AC3E}">
@@ -27055,7 +27574,7 @@
                 <a:gridCol w="2016125">
                   <a:extLst>
                     <a:ext uri="{9D8B030D-6E8A-4147-A177-3AD203B41FA5}">
-                      <a16:colId xmlns="" xmlns:a16="http://schemas.microsoft.com/office/drawing/2014/main" val="20000"/>
+                      <a16:colId xmlns:a16="http://schemas.microsoft.com/office/drawing/2014/main" xmlns="" val="20000"/>
                     </a:ext>
                   </a:extLst>
                 </a:gridCol>
@@ -27159,7 +27678,7 @@
                 </a:tc>
                 <a:extLst>
                   <a:ext uri="{0D108BD9-81ED-4DB2-BD59-A6C34878D82A}">
-                    <a16:rowId xmlns="" xmlns:a16="http://schemas.microsoft.com/office/drawing/2014/main" val="10000"/>
+                    <a16:rowId xmlns:a16="http://schemas.microsoft.com/office/drawing/2014/main" xmlns="" val="10000"/>
                   </a:ext>
                 </a:extLst>
               </a:tr>
@@ -27811,7 +28330,7 @@
           <p:cNvPr id="29" name="그림 28">
             <a:extLst>
               <a:ext uri="{FF2B5EF4-FFF2-40B4-BE49-F238E27FC236}">
-                <a16:creationId xmlns="" xmlns:a16="http://schemas.microsoft.com/office/drawing/2014/main" id="{DEEB3194-430D-4A4E-8DEF-5B08710B8A78}"/>
+                <a16:creationId xmlns:a16="http://schemas.microsoft.com/office/drawing/2014/main" xmlns="" id="{DEEB3194-430D-4A4E-8DEF-5B08710B8A78}"/>
               </a:ext>
             </a:extLst>
           </p:cNvPr>
@@ -28420,7 +28939,7 @@
           <p:cNvPr id="55" name="그림 54">
             <a:extLst>
               <a:ext uri="{FF2B5EF4-FFF2-40B4-BE49-F238E27FC236}">
-                <a16:creationId xmlns="" xmlns:a16="http://schemas.microsoft.com/office/drawing/2014/main" id="{DEEB3194-430D-4A4E-8DEF-5B08710B8A78}"/>
+                <a16:creationId xmlns:a16="http://schemas.microsoft.com/office/drawing/2014/main" xmlns="" id="{DEEB3194-430D-4A4E-8DEF-5B08710B8A78}"/>
               </a:ext>
             </a:extLst>
           </p:cNvPr>
@@ -28573,6 +29092,74 @@
           </a:extLst>
         </p:spPr>
       </p:pic>
+      <p:sp>
+        <p:nvSpPr>
+          <p:cNvPr id="33" name="타원 32"/>
+          <p:cNvSpPr/>
+          <p:nvPr/>
+        </p:nvSpPr>
+        <p:spPr>
+          <a:xfrm>
+            <a:off x="6264188" y="4761148"/>
+            <a:ext cx="1659726" cy="1659726"/>
+          </a:xfrm>
+          <a:prstGeom prst="ellipse">
+            <a:avLst/>
+          </a:prstGeom>
+          <a:solidFill>
+            <a:srgbClr val="FF0000"/>
+          </a:solidFill>
+          <a:ln w="12700">
+            <a:solidFill>
+              <a:srgbClr val="FF0000"/>
+            </a:solidFill>
+          </a:ln>
+        </p:spPr>
+        <p:style>
+          <a:lnRef idx="2">
+            <a:schemeClr val="accent1">
+              <a:shade val="50000"/>
+            </a:schemeClr>
+          </a:lnRef>
+          <a:fillRef idx="1">
+            <a:schemeClr val="accent1"/>
+          </a:fillRef>
+          <a:effectRef idx="0">
+            <a:schemeClr val="accent1"/>
+          </a:effectRef>
+          <a:fontRef idx="minor">
+            <a:schemeClr val="lt1"/>
+          </a:fontRef>
+        </p:style>
+        <p:txBody>
+          <a:bodyPr rtlCol="0" anchor="ctr"/>
+          <a:lstStyle/>
+          <a:p>
+            <a:pPr algn="ctr"/>
+            <a:r>
+              <a:rPr lang="ko-KR" altLang="en-US" sz="3200" b="1" smtClean="0">
+                <a:solidFill>
+                  <a:schemeClr val="bg1"/>
+                </a:solidFill>
+              </a:rPr>
+              <a:t>완</a:t>
+            </a:r>
+            <a:r>
+              <a:rPr lang="ko-KR" altLang="en-US" sz="3200" b="1">
+                <a:solidFill>
+                  <a:schemeClr val="bg1"/>
+                </a:solidFill>
+              </a:rPr>
+              <a:t>료</a:t>
+            </a:r>
+            <a:endParaRPr lang="ko-KR" altLang="en-US" sz="3200" b="1">
+              <a:solidFill>
+                <a:schemeClr val="bg1"/>
+              </a:solidFill>
+            </a:endParaRPr>
+          </a:p>
+        </p:txBody>
+      </p:sp>
     </p:spTree>
     <p:extLst>
       <p:ext uri="{BB962C8B-B14F-4D97-AF65-F5344CB8AC3E}">
@@ -28775,7 +29362,7 @@
                 <a:gridCol w="2016125">
                   <a:extLst>
                     <a:ext uri="{9D8B030D-6E8A-4147-A177-3AD203B41FA5}">
-                      <a16:colId xmlns="" xmlns:a16="http://schemas.microsoft.com/office/drawing/2014/main" val="20000"/>
+                      <a16:colId xmlns:a16="http://schemas.microsoft.com/office/drawing/2014/main" xmlns="" val="20000"/>
                     </a:ext>
                   </a:extLst>
                 </a:gridCol>
@@ -28879,7 +29466,7 @@
                 </a:tc>
                 <a:extLst>
                   <a:ext uri="{0D108BD9-81ED-4DB2-BD59-A6C34878D82A}">
-                    <a16:rowId xmlns="" xmlns:a16="http://schemas.microsoft.com/office/drawing/2014/main" val="10000"/>
+                    <a16:rowId xmlns:a16="http://schemas.microsoft.com/office/drawing/2014/main" xmlns="" val="10000"/>
                   </a:ext>
                 </a:extLst>
               </a:tr>
@@ -29538,7 +30125,7 @@
           <p:cNvPr id="29" name="그림 28">
             <a:extLst>
               <a:ext uri="{FF2B5EF4-FFF2-40B4-BE49-F238E27FC236}">
-                <a16:creationId xmlns="" xmlns:a16="http://schemas.microsoft.com/office/drawing/2014/main" id="{DEEB3194-430D-4A4E-8DEF-5B08710B8A78}"/>
+                <a16:creationId xmlns:a16="http://schemas.microsoft.com/office/drawing/2014/main" xmlns="" id="{DEEB3194-430D-4A4E-8DEF-5B08710B8A78}"/>
               </a:ext>
             </a:extLst>
           </p:cNvPr>
@@ -30082,6 +30669,74 @@
               <a:t>3</a:t>
             </a:r>
             <a:endParaRPr lang="ko-KR" altLang="en-US" sz="1100" b="1" dirty="0"/>
+          </a:p>
+        </p:txBody>
+      </p:sp>
+      <p:sp>
+        <p:nvSpPr>
+          <p:cNvPr id="25" name="타원 24"/>
+          <p:cNvSpPr/>
+          <p:nvPr/>
+        </p:nvSpPr>
+        <p:spPr>
+          <a:xfrm>
+            <a:off x="6264188" y="4761148"/>
+            <a:ext cx="1659726" cy="1659726"/>
+          </a:xfrm>
+          <a:prstGeom prst="ellipse">
+            <a:avLst/>
+          </a:prstGeom>
+          <a:solidFill>
+            <a:srgbClr val="FF0000"/>
+          </a:solidFill>
+          <a:ln w="12700">
+            <a:solidFill>
+              <a:srgbClr val="FF0000"/>
+            </a:solidFill>
+          </a:ln>
+        </p:spPr>
+        <p:style>
+          <a:lnRef idx="2">
+            <a:schemeClr val="accent1">
+              <a:shade val="50000"/>
+            </a:schemeClr>
+          </a:lnRef>
+          <a:fillRef idx="1">
+            <a:schemeClr val="accent1"/>
+          </a:fillRef>
+          <a:effectRef idx="0">
+            <a:schemeClr val="accent1"/>
+          </a:effectRef>
+          <a:fontRef idx="minor">
+            <a:schemeClr val="lt1"/>
+          </a:fontRef>
+        </p:style>
+        <p:txBody>
+          <a:bodyPr rtlCol="0" anchor="ctr"/>
+          <a:lstStyle/>
+          <a:p>
+            <a:pPr algn="ctr"/>
+            <a:r>
+              <a:rPr lang="ko-KR" altLang="en-US" sz="3200" b="1" smtClean="0">
+                <a:solidFill>
+                  <a:schemeClr val="bg1"/>
+                </a:solidFill>
+              </a:rPr>
+              <a:t>완</a:t>
+            </a:r>
+            <a:r>
+              <a:rPr lang="ko-KR" altLang="en-US" sz="3200" b="1">
+                <a:solidFill>
+                  <a:schemeClr val="bg1"/>
+                </a:solidFill>
+              </a:rPr>
+              <a:t>료</a:t>
+            </a:r>
+            <a:endParaRPr lang="ko-KR" altLang="en-US" sz="3200" b="1">
+              <a:solidFill>
+                <a:schemeClr val="bg1"/>
+              </a:solidFill>
+            </a:endParaRPr>
           </a:p>
         </p:txBody>
       </p:sp>
@@ -30594,7 +31249,7 @@
                 <a:gridCol w="2016125">
                   <a:extLst>
                     <a:ext uri="{9D8B030D-6E8A-4147-A177-3AD203B41FA5}">
-                      <a16:colId xmlns="" xmlns:a16="http://schemas.microsoft.com/office/drawing/2014/main" val="20000"/>
+                      <a16:colId xmlns:a16="http://schemas.microsoft.com/office/drawing/2014/main" xmlns="" val="20000"/>
                     </a:ext>
                   </a:extLst>
                 </a:gridCol>
@@ -30698,7 +31353,7 @@
                 </a:tc>
                 <a:extLst>
                   <a:ext uri="{0D108BD9-81ED-4DB2-BD59-A6C34878D82A}">
-                    <a16:rowId xmlns="" xmlns:a16="http://schemas.microsoft.com/office/drawing/2014/main" val="10000"/>
+                    <a16:rowId xmlns:a16="http://schemas.microsoft.com/office/drawing/2014/main" xmlns="" val="10000"/>
                   </a:ext>
                 </a:extLst>
               </a:tr>
@@ -31177,14 +31832,14 @@
                 <a:gridCol w="270437">
                   <a:extLst>
                     <a:ext uri="{9D8B030D-6E8A-4147-A177-3AD203B41FA5}">
-                      <a16:colId xmlns="" xmlns:a16="http://schemas.microsoft.com/office/drawing/2014/main" val="20000"/>
+                      <a16:colId xmlns:a16="http://schemas.microsoft.com/office/drawing/2014/main" xmlns="" val="20000"/>
                     </a:ext>
                   </a:extLst>
                 </a:gridCol>
                 <a:gridCol w="1837598">
                   <a:extLst>
                     <a:ext uri="{9D8B030D-6E8A-4147-A177-3AD203B41FA5}">
-                      <a16:colId xmlns="" xmlns:a16="http://schemas.microsoft.com/office/drawing/2014/main" val="20001"/>
+                      <a16:colId xmlns:a16="http://schemas.microsoft.com/office/drawing/2014/main" xmlns="" val="20001"/>
                     </a:ext>
                   </a:extLst>
                 </a:gridCol>
@@ -31424,7 +32079,7 @@
                 </a:tc>
                 <a:extLst>
                   <a:ext uri="{0D108BD9-81ED-4DB2-BD59-A6C34878D82A}">
-                    <a16:rowId xmlns="" xmlns:a16="http://schemas.microsoft.com/office/drawing/2014/main" val="10000"/>
+                    <a16:rowId xmlns:a16="http://schemas.microsoft.com/office/drawing/2014/main" xmlns="" val="10000"/>
                   </a:ext>
                 </a:extLst>
               </a:tr>
@@ -31458,14 +32113,14 @@
                 <a:gridCol w="270437">
                   <a:extLst>
                     <a:ext uri="{9D8B030D-6E8A-4147-A177-3AD203B41FA5}">
-                      <a16:colId xmlns="" xmlns:a16="http://schemas.microsoft.com/office/drawing/2014/main" val="20000"/>
+                      <a16:colId xmlns:a16="http://schemas.microsoft.com/office/drawing/2014/main" xmlns="" val="20000"/>
                     </a:ext>
                   </a:extLst>
                 </a:gridCol>
                 <a:gridCol w="1837598">
                   <a:extLst>
                     <a:ext uri="{9D8B030D-6E8A-4147-A177-3AD203B41FA5}">
-                      <a16:colId xmlns="" xmlns:a16="http://schemas.microsoft.com/office/drawing/2014/main" val="20001"/>
+                      <a16:colId xmlns:a16="http://schemas.microsoft.com/office/drawing/2014/main" xmlns="" val="20001"/>
                     </a:ext>
                   </a:extLst>
                 </a:gridCol>
@@ -31685,7 +32340,7 @@
                 </a:tc>
                 <a:extLst>
                   <a:ext uri="{0D108BD9-81ED-4DB2-BD59-A6C34878D82A}">
-                    <a16:rowId xmlns="" xmlns:a16="http://schemas.microsoft.com/office/drawing/2014/main" val="10000"/>
+                    <a16:rowId xmlns:a16="http://schemas.microsoft.com/office/drawing/2014/main" xmlns="" val="10000"/>
                   </a:ext>
                 </a:extLst>
               </a:tr>
